--- a/thesis/ukapp2/wqu_isc/sofware_design/Introduction to object orientation and software design-REV2.pptx
+++ b/thesis/ukapp2/wqu_isc/sofware_design/Introduction to object orientation and software design-REV2.pptx
@@ -7,9 +7,9 @@
   <p:sldIdLst>
     <p:sldId id="256" r:id="rId5"/>
     <p:sldId id="257" r:id="rId6"/>
-    <p:sldId id="267" r:id="rId7"/>
-    <p:sldId id="268" r:id="rId8"/>
-    <p:sldId id="261" r:id="rId9"/>
+    <p:sldId id="261" r:id="rId7"/>
+    <p:sldId id="267" r:id="rId8"/>
+    <p:sldId id="268" r:id="rId9"/>
     <p:sldId id="258" r:id="rId10"/>
     <p:sldId id="259" r:id="rId11"/>
     <p:sldId id="260" r:id="rId12"/>
@@ -353,7 +353,7 @@
           <a:p>
             <a:fld id="{CD13FC2D-BEDB-45BE-AF82-649A39BEFF71}" type="datetimeFigureOut">
               <a:rPr lang="en-GB" smtClean="0"/>
-              <a:t>15/03/2020</a:t>
+              <a:t>18/03/2020</a:t>
             </a:fld>
             <a:endParaRPr lang="en-GB"/>
           </a:p>
@@ -561,7 +561,7 @@
           <a:p>
             <a:fld id="{CD13FC2D-BEDB-45BE-AF82-649A39BEFF71}" type="datetimeFigureOut">
               <a:rPr lang="en-GB" smtClean="0"/>
-              <a:t>15/03/2020</a:t>
+              <a:t>18/03/2020</a:t>
             </a:fld>
             <a:endParaRPr lang="en-GB"/>
           </a:p>
@@ -817,7 +817,7 @@
           <a:p>
             <a:fld id="{CD13FC2D-BEDB-45BE-AF82-649A39BEFF71}" type="datetimeFigureOut">
               <a:rPr lang="en-GB" smtClean="0"/>
-              <a:t>15/03/2020</a:t>
+              <a:t>18/03/2020</a:t>
             </a:fld>
             <a:endParaRPr lang="en-GB"/>
           </a:p>
@@ -987,7 +987,7 @@
           <a:p>
             <a:fld id="{CD13FC2D-BEDB-45BE-AF82-649A39BEFF71}" type="datetimeFigureOut">
               <a:rPr lang="en-GB" smtClean="0"/>
-              <a:t>15/03/2020</a:t>
+              <a:t>18/03/2020</a:t>
             </a:fld>
             <a:endParaRPr lang="en-GB"/>
           </a:p>
@@ -1330,7 +1330,7 @@
           <a:p>
             <a:fld id="{CD13FC2D-BEDB-45BE-AF82-649A39BEFF71}" type="datetimeFigureOut">
               <a:rPr lang="en-GB" smtClean="0"/>
-              <a:t>15/03/2020</a:t>
+              <a:t>18/03/2020</a:t>
             </a:fld>
             <a:endParaRPr lang="en-GB"/>
           </a:p>
@@ -1605,7 +1605,7 @@
           <a:p>
             <a:fld id="{CD13FC2D-BEDB-45BE-AF82-649A39BEFF71}" type="datetimeFigureOut">
               <a:rPr lang="en-GB" smtClean="0"/>
-              <a:t>15/03/2020</a:t>
+              <a:t>18/03/2020</a:t>
             </a:fld>
             <a:endParaRPr lang="en-GB"/>
           </a:p>
@@ -1984,7 +1984,7 @@
           <a:p>
             <a:fld id="{CD13FC2D-BEDB-45BE-AF82-649A39BEFF71}" type="datetimeFigureOut">
               <a:rPr lang="en-GB" smtClean="0"/>
-              <a:t>15/03/2020</a:t>
+              <a:t>18/03/2020</a:t>
             </a:fld>
             <a:endParaRPr lang="en-GB"/>
           </a:p>
@@ -2102,7 +2102,7 @@
           <a:p>
             <a:fld id="{CD13FC2D-BEDB-45BE-AF82-649A39BEFF71}" type="datetimeFigureOut">
               <a:rPr lang="en-GB" smtClean="0"/>
-              <a:t>15/03/2020</a:t>
+              <a:t>18/03/2020</a:t>
             </a:fld>
             <a:endParaRPr lang="en-GB"/>
           </a:p>
@@ -2273,7 +2273,7 @@
           <a:p>
             <a:fld id="{CD13FC2D-BEDB-45BE-AF82-649A39BEFF71}" type="datetimeFigureOut">
               <a:rPr lang="en-GB" smtClean="0"/>
-              <a:t>15/03/2020</a:t>
+              <a:t>18/03/2020</a:t>
             </a:fld>
             <a:endParaRPr lang="en-GB"/>
           </a:p>
@@ -2627,7 +2627,7 @@
           <a:p>
             <a:fld id="{CD13FC2D-BEDB-45BE-AF82-649A39BEFF71}" type="datetimeFigureOut">
               <a:rPr lang="en-GB" smtClean="0"/>
-              <a:t>15/03/2020</a:t>
+              <a:t>18/03/2020</a:t>
             </a:fld>
             <a:endParaRPr lang="en-GB"/>
           </a:p>
@@ -3009,7 +3009,7 @@
           <a:p>
             <a:fld id="{CD13FC2D-BEDB-45BE-AF82-649A39BEFF71}" type="datetimeFigureOut">
               <a:rPr lang="en-GB" smtClean="0"/>
-              <a:t>15/03/2020</a:t>
+              <a:t>18/03/2020</a:t>
             </a:fld>
             <a:endParaRPr lang="en-GB"/>
           </a:p>
@@ -3296,7 +3296,7 @@
           <a:p>
             <a:fld id="{CD13FC2D-BEDB-45BE-AF82-649A39BEFF71}" type="datetimeFigureOut">
               <a:rPr lang="en-GB" smtClean="0"/>
-              <a:t>15/03/2020</a:t>
+              <a:t>18/03/2020</a:t>
             </a:fld>
             <a:endParaRPr lang="en-GB"/>
           </a:p>
@@ -5421,8 +5421,13 @@
             </a:pPr>
             <a:r>
               <a:rPr lang="en-GB" sz="2800" dirty="0"/>
-              <a:t> Assessments types: Logbook and in class tests.</a:t>
-            </a:r>
+              <a:t> Assessments types: Logbook and in </a:t>
+            </a:r>
+            <a:r>
+              <a:rPr lang="en-GB" sz="2800" dirty="0" smtClean="0"/>
+              <a:t>course work.</a:t>
+            </a:r>
+            <a:endParaRPr lang="en-GB" sz="2800" dirty="0"/>
           </a:p>
           <a:p>
             <a:pPr>
@@ -5451,8 +5456,13 @@
             </a:pPr>
             <a:r>
               <a:rPr lang="en-GB" sz="2800" dirty="0"/>
-              <a:t>In class exercises.</a:t>
-            </a:r>
+              <a:t>In class </a:t>
+            </a:r>
+            <a:r>
+              <a:rPr lang="en-GB" sz="2800" dirty="0" smtClean="0"/>
+              <a:t>exercises and tests.</a:t>
+            </a:r>
+            <a:endParaRPr lang="en-GB" sz="2800" dirty="0"/>
           </a:p>
           <a:p>
             <a:pPr marL="0" indent="0">
@@ -5479,6 +5489,132 @@
 </file>
 
 <file path=ppt/slides/slide3.xml><?xml version="1.0" encoding="utf-8"?>
+<p:sld xmlns:a="http://schemas.openxmlformats.org/drawingml/2006/main" xmlns:r="http://schemas.openxmlformats.org/officeDocument/2006/relationships" xmlns:p="http://schemas.openxmlformats.org/presentationml/2006/main">
+  <p:cSld>
+    <p:spTree>
+      <p:nvGrpSpPr>
+        <p:cNvPr id="1" name=""/>
+        <p:cNvGrpSpPr/>
+        <p:nvPr/>
+      </p:nvGrpSpPr>
+      <p:grpSpPr>
+        <a:xfrm>
+          <a:off x="0" y="0"/>
+          <a:ext cx="0" cy="0"/>
+          <a:chOff x="0" y="0"/>
+          <a:chExt cx="0" cy="0"/>
+        </a:xfrm>
+      </p:grpSpPr>
+      <p:sp>
+        <p:nvSpPr>
+          <p:cNvPr id="2" name="Title 1">
+            <a:extLst>
+              <a:ext uri="{FF2B5EF4-FFF2-40B4-BE49-F238E27FC236}">
+                <a16:creationId xmlns:a16="http://schemas.microsoft.com/office/drawing/2014/main" id="{3435FEA7-5931-4532-8A5A-BFEAA59A6427}"/>
+              </a:ext>
+            </a:extLst>
+          </p:cNvPr>
+          <p:cNvSpPr>
+            <a:spLocks noGrp="1"/>
+          </p:cNvSpPr>
+          <p:nvPr>
+            <p:ph type="title"/>
+          </p:nvPr>
+        </p:nvSpPr>
+        <p:spPr/>
+        <p:txBody>
+          <a:bodyPr/>
+          <a:lstStyle/>
+          <a:p>
+            <a:r>
+              <a:rPr lang="en-GB" dirty="0"/>
+              <a:t>Software Design.</a:t>
+            </a:r>
+          </a:p>
+        </p:txBody>
+      </p:sp>
+      <p:sp>
+        <p:nvSpPr>
+          <p:cNvPr id="3" name="Content Placeholder 2">
+            <a:extLst>
+              <a:ext uri="{FF2B5EF4-FFF2-40B4-BE49-F238E27FC236}">
+                <a16:creationId xmlns:a16="http://schemas.microsoft.com/office/drawing/2014/main" id="{50850208-4A4C-40A3-B1D3-6BDA102AEEF4}"/>
+              </a:ext>
+            </a:extLst>
+          </p:cNvPr>
+          <p:cNvSpPr>
+            <a:spLocks noGrp="1"/>
+          </p:cNvSpPr>
+          <p:nvPr>
+            <p:ph idx="1"/>
+          </p:nvPr>
+        </p:nvSpPr>
+        <p:spPr/>
+        <p:txBody>
+          <a:bodyPr/>
+          <a:lstStyle/>
+          <a:p>
+            <a:pPr marL="0" indent="0">
+              <a:buNone/>
+            </a:pPr>
+            <a:endParaRPr lang="en-GB" dirty="0"/>
+          </a:p>
+          <a:p>
+            <a:pPr>
+              <a:buFont typeface="Wingdings" panose="05000000000000000000" pitchFamily="2" charset="2"/>
+              <a:buChar char="v"/>
+            </a:pPr>
+            <a:r>
+              <a:rPr lang="en-GB" dirty="0"/>
+              <a:t>Software design is the process of transforming the customer requirements into a form implementable using a programming language.</a:t>
+            </a:r>
+          </a:p>
+          <a:p>
+            <a:pPr>
+              <a:buFont typeface="Wingdings" panose="05000000000000000000" pitchFamily="2" charset="2"/>
+              <a:buChar char="v"/>
+            </a:pPr>
+            <a:r>
+              <a:rPr lang="en-GB" dirty="0"/>
+              <a:t> This includes defining the classes, methods, functions, objects and the overall structure and interaction that will be translated into codes.</a:t>
+            </a:r>
+          </a:p>
+          <a:p>
+            <a:pPr>
+              <a:buFont typeface="Wingdings" panose="05000000000000000000" pitchFamily="2" charset="2"/>
+              <a:buChar char="v"/>
+            </a:pPr>
+            <a:r>
+              <a:rPr lang="en-GB" dirty="0"/>
+              <a:t> For object-oriented software, an object modelling language such as UML is used to develop and express the software design.</a:t>
+            </a:r>
+          </a:p>
+          <a:p>
+            <a:pPr>
+              <a:buFont typeface="Wingdings" panose="05000000000000000000" pitchFamily="2" charset="2"/>
+              <a:buChar char="v"/>
+            </a:pPr>
+            <a:r>
+              <a:rPr lang="en-GB" dirty="0"/>
+              <a:t> draw.io will be used in this class for object-oriented software modelling.</a:t>
+            </a:r>
+          </a:p>
+        </p:txBody>
+      </p:sp>
+    </p:spTree>
+    <p:extLst>
+      <p:ext uri="{BB962C8B-B14F-4D97-AF65-F5344CB8AC3E}">
+        <p14:creationId xmlns:p14="http://schemas.microsoft.com/office/powerpoint/2010/main" val="2587548588"/>
+      </p:ext>
+    </p:extLst>
+  </p:cSld>
+  <p:clrMapOvr>
+    <a:masterClrMapping/>
+  </p:clrMapOvr>
+</p:sld>
+</file>
+
+<file path=ppt/slides/slide4.xml><?xml version="1.0" encoding="utf-8"?>
 <p:sld xmlns:a="http://schemas.openxmlformats.org/drawingml/2006/main" xmlns:r="http://schemas.openxmlformats.org/officeDocument/2006/relationships" xmlns:p="http://schemas.openxmlformats.org/presentationml/2006/main">
   <p:cSld>
     <p:spTree>
@@ -5742,15 +5878,10 @@
             </a:p>
             <a:p>
               <a:r>
-                <a:rPr lang="en-GB" dirty="0"/>
+                <a:rPr lang="en-GB" dirty="0" smtClean="0"/>
                 <a:t>Array</a:t>
               </a:r>
-            </a:p>
-            <a:p>
-              <a:r>
-                <a:rPr lang="en-GB" dirty="0"/>
-                <a:t>Function</a:t>
-              </a:r>
+              <a:endParaRPr lang="en-GB" dirty="0"/>
             </a:p>
             <a:p>
               <a:r>
@@ -5846,9 +5977,17 @@
             </a:p>
             <a:p>
               <a:r>
-                <a:rPr lang="en-GB" dirty="0"/>
+                <a:rPr lang="en-GB" dirty="0" err="1" smtClean="0"/>
                 <a:t>Typedef</a:t>
               </a:r>
+              <a:endParaRPr lang="en-GB" dirty="0" smtClean="0"/>
+            </a:p>
+            <a:p>
+              <a:r>
+                <a:rPr lang="en-GB"/>
+                <a:t>Function</a:t>
+              </a:r>
+              <a:endParaRPr lang="en-GB" dirty="0"/>
             </a:p>
           </p:txBody>
         </p:sp>
@@ -5993,261 +6132,6 @@
 </p:sld>
 </file>
 
-<file path=ppt/slides/slide4.xml><?xml version="1.0" encoding="utf-8"?>
-<p:sld xmlns:a="http://schemas.openxmlformats.org/drawingml/2006/main" xmlns:r="http://schemas.openxmlformats.org/officeDocument/2006/relationships" xmlns:p="http://schemas.openxmlformats.org/presentationml/2006/main">
-  <p:cSld>
-    <p:spTree>
-      <p:nvGrpSpPr>
-        <p:cNvPr id="1" name=""/>
-        <p:cNvGrpSpPr/>
-        <p:nvPr/>
-      </p:nvGrpSpPr>
-      <p:grpSpPr>
-        <a:xfrm>
-          <a:off x="0" y="0"/>
-          <a:ext cx="0" cy="0"/>
-          <a:chOff x="0" y="0"/>
-          <a:chExt cx="0" cy="0"/>
-        </a:xfrm>
-      </p:grpSpPr>
-      <p:sp>
-        <p:nvSpPr>
-          <p:cNvPr id="2" name="Title 1">
-            <a:extLst>
-              <a:ext uri="{FF2B5EF4-FFF2-40B4-BE49-F238E27FC236}">
-                <a16:creationId xmlns:a16="http://schemas.microsoft.com/office/drawing/2014/main" id="{0944335C-8DE2-4926-A149-58F5D306F0D3}"/>
-              </a:ext>
-            </a:extLst>
-          </p:cNvPr>
-          <p:cNvSpPr>
-            <a:spLocks noGrp="1"/>
-          </p:cNvSpPr>
-          <p:nvPr>
-            <p:ph type="title"/>
-          </p:nvPr>
-        </p:nvSpPr>
-        <p:spPr/>
-        <p:txBody>
-          <a:bodyPr/>
-          <a:lstStyle/>
-          <a:p>
-            <a:r>
-              <a:rPr lang="en-GB" dirty="0"/>
-              <a:t>Flowcharts</a:t>
-            </a:r>
-          </a:p>
-        </p:txBody>
-      </p:sp>
-      <p:pic>
-        <p:nvPicPr>
-          <p:cNvPr id="5" name="Content Placeholder 4">
-            <a:extLst>
-              <a:ext uri="{FF2B5EF4-FFF2-40B4-BE49-F238E27FC236}">
-                <a16:creationId xmlns:a16="http://schemas.microsoft.com/office/drawing/2014/main" id="{C57304B5-FA89-4D67-B97B-6F2C61D1F3CC}"/>
-              </a:ext>
-            </a:extLst>
-          </p:cNvPr>
-          <p:cNvPicPr>
-            <a:picLocks noGrp="1" noChangeAspect="1"/>
-          </p:cNvPicPr>
-          <p:nvPr>
-            <p:ph idx="1"/>
-          </p:nvPr>
-        </p:nvPicPr>
-        <p:blipFill>
-          <a:blip r:embed="rId2">
-            <a:extLst>
-              <a:ext uri="{28A0092B-C50C-407E-A947-70E740481C1C}">
-                <a14:useLocalDpi xmlns:a14="http://schemas.microsoft.com/office/drawing/2010/main" val="0"/>
-              </a:ext>
-              <a:ext uri="{96DAC541-7B7A-43D3-8B79-37D633B846F1}">
-                <asvg:svgBlip xmlns:asvg="http://schemas.microsoft.com/office/drawing/2016/SVG/main" r:embed="rId3"/>
-              </a:ext>
-            </a:extLst>
-          </a:blip>
-          <a:stretch>
-            <a:fillRect/>
-          </a:stretch>
-        </p:blipFill>
-        <p:spPr>
-          <a:xfrm>
-            <a:off x="822960" y="2199179"/>
-            <a:ext cx="3419316" cy="4022725"/>
-          </a:xfrm>
-        </p:spPr>
-      </p:pic>
-      <p:sp>
-        <p:nvSpPr>
-          <p:cNvPr id="6" name="TextBox 5">
-            <a:extLst>
-              <a:ext uri="{FF2B5EF4-FFF2-40B4-BE49-F238E27FC236}">
-                <a16:creationId xmlns:a16="http://schemas.microsoft.com/office/drawing/2014/main" id="{FCBD4C7D-40E4-4403-AF7F-929E5E144B68}"/>
-              </a:ext>
-            </a:extLst>
-          </p:cNvPr>
-          <p:cNvSpPr txBox="1"/>
-          <p:nvPr/>
-        </p:nvSpPr>
-        <p:spPr>
-          <a:xfrm>
-            <a:off x="1052946" y="1921687"/>
-            <a:ext cx="2004290" cy="369332"/>
-          </a:xfrm>
-          <a:prstGeom prst="rect">
-            <a:avLst/>
-          </a:prstGeom>
-          <a:noFill/>
-        </p:spPr>
-        <p:txBody>
-          <a:bodyPr wrap="square" rtlCol="0">
-            <a:spAutoFit/>
-          </a:bodyPr>
-          <a:lstStyle/>
-          <a:p>
-            <a:r>
-              <a:rPr lang="en-GB" dirty="0"/>
-              <a:t>Flowchart example</a:t>
-            </a:r>
-          </a:p>
-        </p:txBody>
-      </p:sp>
-      <p:sp>
-        <p:nvSpPr>
-          <p:cNvPr id="7" name="TextBox 6">
-            <a:extLst>
-              <a:ext uri="{FF2B5EF4-FFF2-40B4-BE49-F238E27FC236}">
-                <a16:creationId xmlns:a16="http://schemas.microsoft.com/office/drawing/2014/main" id="{A186598B-6D95-4E28-8459-424ACB02D53E}"/>
-              </a:ext>
-            </a:extLst>
-          </p:cNvPr>
-          <p:cNvSpPr txBox="1"/>
-          <p:nvPr/>
-        </p:nvSpPr>
-        <p:spPr>
-          <a:xfrm>
-            <a:off x="4901726" y="2106353"/>
-            <a:ext cx="3634509" cy="3908762"/>
-          </a:xfrm>
-          <a:prstGeom prst="rect">
-            <a:avLst/>
-          </a:prstGeom>
-          <a:noFill/>
-          <a:ln>
-            <a:solidFill>
-              <a:schemeClr val="tx1"/>
-            </a:solidFill>
-          </a:ln>
-        </p:spPr>
-        <p:txBody>
-          <a:bodyPr wrap="square" rtlCol="0">
-            <a:spAutoFit/>
-          </a:bodyPr>
-          <a:lstStyle/>
-          <a:p>
-            <a:r>
-              <a:rPr lang="en-GB" u="sng" dirty="0"/>
-              <a:t>Task:</a:t>
-            </a:r>
-          </a:p>
-          <a:p>
-            <a:endParaRPr lang="en-GB" u="sng" dirty="0"/>
-          </a:p>
-          <a:p>
-            <a:pPr marL="285750" indent="-285750">
-              <a:buFont typeface="Arial" panose="020B0604020202020204" pitchFamily="34" charset="0"/>
-              <a:buChar char="•"/>
-            </a:pPr>
-            <a:r>
-              <a:rPr lang="en-GB" sz="1600" dirty="0"/>
-              <a:t>Go to </a:t>
-            </a:r>
-            <a:r>
-              <a:rPr lang="en-GB" sz="1600" dirty="0">
-                <a:hlinkClick r:id="rId4"/>
-              </a:rPr>
-              <a:t>www.draw.io</a:t>
-            </a:r>
-            <a:endParaRPr lang="en-GB" sz="1600" dirty="0"/>
-          </a:p>
-          <a:p>
-            <a:pPr marL="285750" indent="-285750">
-              <a:buFont typeface="Arial" panose="020B0604020202020204" pitchFamily="34" charset="0"/>
-              <a:buChar char="•"/>
-            </a:pPr>
-            <a:r>
-              <a:rPr lang="en-GB" sz="1600" dirty="0"/>
-              <a:t>Click ‘Save diagrams to Device’ </a:t>
-            </a:r>
-          </a:p>
-          <a:p>
-            <a:pPr marL="285750" indent="-285750">
-              <a:buFont typeface="Arial" panose="020B0604020202020204" pitchFamily="34" charset="0"/>
-              <a:buChar char="•"/>
-            </a:pPr>
-            <a:r>
-              <a:rPr lang="en-GB" sz="1600" dirty="0"/>
-              <a:t>Create New diagram</a:t>
-            </a:r>
-          </a:p>
-          <a:p>
-            <a:pPr marL="285750" indent="-285750">
-              <a:buFont typeface="Arial" panose="020B0604020202020204" pitchFamily="34" charset="0"/>
-              <a:buChar char="•"/>
-            </a:pPr>
-            <a:r>
-              <a:rPr lang="en-GB" sz="1600" dirty="0"/>
-              <a:t>Select ‘Flowchart’</a:t>
-            </a:r>
-          </a:p>
-          <a:p>
-            <a:pPr marL="285750" indent="-285750">
-              <a:buFont typeface="Arial" panose="020B0604020202020204" pitchFamily="34" charset="0"/>
-              <a:buChar char="•"/>
-            </a:pPr>
-            <a:r>
-              <a:rPr lang="en-GB" sz="1600" dirty="0"/>
-              <a:t>Delete the displayed flowchart</a:t>
-            </a:r>
-          </a:p>
-          <a:p>
-            <a:pPr marL="285750" indent="-285750">
-              <a:buFont typeface="Arial" panose="020B0604020202020204" pitchFamily="34" charset="0"/>
-              <a:buChar char="•"/>
-            </a:pPr>
-            <a:r>
-              <a:rPr lang="en-GB" sz="1600" dirty="0"/>
-              <a:t>Create a flowchart that asks user for login details, checks if the details are correct, grants access for correct details, denies access for incorrect details and blocks user after 3 unsuccessful attempts.</a:t>
-            </a:r>
-          </a:p>
-          <a:p>
-            <a:pPr marL="285750" indent="-285750">
-              <a:buFont typeface="Arial" panose="020B0604020202020204" pitchFamily="34" charset="0"/>
-              <a:buChar char="•"/>
-            </a:pPr>
-            <a:endParaRPr lang="en-GB" dirty="0"/>
-          </a:p>
-          <a:p>
-            <a:pPr marL="285750" indent="-285750">
-              <a:buFont typeface="Arial" panose="020B0604020202020204" pitchFamily="34" charset="0"/>
-              <a:buChar char="•"/>
-            </a:pPr>
-            <a:endParaRPr lang="en-GB" dirty="0"/>
-          </a:p>
-        </p:txBody>
-      </p:sp>
-    </p:spTree>
-    <p:extLst>
-      <p:ext uri="{BB962C8B-B14F-4D97-AF65-F5344CB8AC3E}">
-        <p14:creationId xmlns:p14="http://schemas.microsoft.com/office/powerpoint/2010/main" val="2460551237"/>
-      </p:ext>
-    </p:extLst>
-  </p:cSld>
-  <p:clrMapOvr>
-    <a:masterClrMapping/>
-  </p:clrMapOvr>
-</p:sld>
-</file>
-
 <file path=ppt/slides/slide5.xml><?xml version="1.0" encoding="utf-8"?>
 <p:sld xmlns:a="http://schemas.openxmlformats.org/drawingml/2006/main" xmlns:r="http://schemas.openxmlformats.org/officeDocument/2006/relationships" xmlns:p="http://schemas.openxmlformats.org/presentationml/2006/main">
   <p:cSld>
@@ -6270,7 +6154,7 @@
           <p:cNvPr id="2" name="Title 1">
             <a:extLst>
               <a:ext uri="{FF2B5EF4-FFF2-40B4-BE49-F238E27FC236}">
-                <a16:creationId xmlns:a16="http://schemas.microsoft.com/office/drawing/2014/main" id="{3435FEA7-5931-4532-8A5A-BFEAA59A6427}"/>
+                <a16:creationId xmlns:a16="http://schemas.microsoft.com/office/drawing/2014/main" id="{0944335C-8DE2-4926-A149-58F5D306F0D3}"/>
               </a:ext>
             </a:extLst>
           </p:cNvPr>
@@ -6288,83 +6172,212 @@
           <a:p>
             <a:r>
               <a:rPr lang="en-GB" dirty="0"/>
-              <a:t>Software Design.</a:t>
-            </a:r>
-          </a:p>
-        </p:txBody>
-      </p:sp>
-      <p:sp>
-        <p:nvSpPr>
-          <p:cNvPr id="3" name="Content Placeholder 2">
+              <a:t>Flowcharts</a:t>
+            </a:r>
+          </a:p>
+        </p:txBody>
+      </p:sp>
+      <p:pic>
+        <p:nvPicPr>
+          <p:cNvPr id="5" name="Content Placeholder 4">
             <a:extLst>
               <a:ext uri="{FF2B5EF4-FFF2-40B4-BE49-F238E27FC236}">
-                <a16:creationId xmlns:a16="http://schemas.microsoft.com/office/drawing/2014/main" id="{50850208-4A4C-40A3-B1D3-6BDA102AEEF4}"/>
+                <a16:creationId xmlns:a16="http://schemas.microsoft.com/office/drawing/2014/main" id="{C57304B5-FA89-4D67-B97B-6F2C61D1F3CC}"/>
               </a:ext>
             </a:extLst>
           </p:cNvPr>
-          <p:cNvSpPr>
-            <a:spLocks noGrp="1"/>
-          </p:cNvSpPr>
+          <p:cNvPicPr>
+            <a:picLocks noGrp="1" noChangeAspect="1"/>
+          </p:cNvPicPr>
           <p:nvPr>
             <p:ph idx="1"/>
           </p:nvPr>
-        </p:nvSpPr>
-        <p:spPr/>
-        <p:txBody>
-          <a:bodyPr/>
-          <a:lstStyle/>
-          <a:p>
-            <a:pPr marL="0" indent="0">
-              <a:buNone/>
+        </p:nvPicPr>
+        <p:blipFill>
+          <a:blip r:embed="rId2" cstate="hqprint">
+            <a:extLst>
+              <a:ext uri="{28A0092B-C50C-407E-A947-70E740481C1C}">
+                <a14:useLocalDpi xmlns:a14="http://schemas.microsoft.com/office/drawing/2010/main" val="0"/>
+              </a:ext>
+              <a:ext uri="{96DAC541-7B7A-43D3-8B79-37D633B846F1}">
+                <asvg:svgBlip xmlns="" xmlns:asvg="http://schemas.microsoft.com/office/drawing/2016/SVG/main" r:embed="rId3"/>
+              </a:ext>
+            </a:extLst>
+          </a:blip>
+          <a:stretch>
+            <a:fillRect/>
+          </a:stretch>
+        </p:blipFill>
+        <p:spPr>
+          <a:xfrm>
+            <a:off x="822960" y="2199179"/>
+            <a:ext cx="3419316" cy="4022725"/>
+          </a:xfrm>
+        </p:spPr>
+      </p:pic>
+      <p:sp>
+        <p:nvSpPr>
+          <p:cNvPr id="6" name="TextBox 5">
+            <a:extLst>
+              <a:ext uri="{FF2B5EF4-FFF2-40B4-BE49-F238E27FC236}">
+                <a16:creationId xmlns:a16="http://schemas.microsoft.com/office/drawing/2014/main" id="{FCBD4C7D-40E4-4403-AF7F-929E5E144B68}"/>
+              </a:ext>
+            </a:extLst>
+          </p:cNvPr>
+          <p:cNvSpPr txBox="1"/>
+          <p:nvPr/>
+        </p:nvSpPr>
+        <p:spPr>
+          <a:xfrm>
+            <a:off x="1052946" y="1921687"/>
+            <a:ext cx="2004290" cy="369332"/>
+          </a:xfrm>
+          <a:prstGeom prst="rect">
+            <a:avLst/>
+          </a:prstGeom>
+          <a:noFill/>
+        </p:spPr>
+        <p:txBody>
+          <a:bodyPr wrap="square" rtlCol="0">
+            <a:spAutoFit/>
+          </a:bodyPr>
+          <a:lstStyle/>
+          <a:p>
+            <a:r>
+              <a:rPr lang="en-GB" dirty="0"/>
+              <a:t>Flowchart example</a:t>
+            </a:r>
+          </a:p>
+        </p:txBody>
+      </p:sp>
+      <p:sp>
+        <p:nvSpPr>
+          <p:cNvPr id="7" name="TextBox 6">
+            <a:extLst>
+              <a:ext uri="{FF2B5EF4-FFF2-40B4-BE49-F238E27FC236}">
+                <a16:creationId xmlns:a16="http://schemas.microsoft.com/office/drawing/2014/main" id="{A186598B-6D95-4E28-8459-424ACB02D53E}"/>
+              </a:ext>
+            </a:extLst>
+          </p:cNvPr>
+          <p:cNvSpPr txBox="1"/>
+          <p:nvPr/>
+        </p:nvSpPr>
+        <p:spPr>
+          <a:xfrm>
+            <a:off x="4901726" y="2106353"/>
+            <a:ext cx="3634509" cy="3908762"/>
+          </a:xfrm>
+          <a:prstGeom prst="rect">
+            <a:avLst/>
+          </a:prstGeom>
+          <a:noFill/>
+          <a:ln>
+            <a:solidFill>
+              <a:schemeClr val="tx1"/>
+            </a:solidFill>
+          </a:ln>
+        </p:spPr>
+        <p:txBody>
+          <a:bodyPr wrap="square" rtlCol="0">
+            <a:spAutoFit/>
+          </a:bodyPr>
+          <a:lstStyle/>
+          <a:p>
+            <a:r>
+              <a:rPr lang="en-GB" u="sng" dirty="0"/>
+              <a:t>Task:</a:t>
+            </a:r>
+          </a:p>
+          <a:p>
+            <a:endParaRPr lang="en-GB" u="sng" dirty="0"/>
+          </a:p>
+          <a:p>
+            <a:pPr marL="285750" indent="-285750">
+              <a:buFont typeface="Arial" panose="020B0604020202020204" pitchFamily="34" charset="0"/>
+              <a:buChar char="•"/>
+            </a:pPr>
+            <a:r>
+              <a:rPr lang="en-GB" sz="1600" dirty="0"/>
+              <a:t>Go to </a:t>
+            </a:r>
+            <a:r>
+              <a:rPr lang="en-GB" sz="1600" dirty="0">
+                <a:hlinkClick r:id="rId4"/>
+              </a:rPr>
+              <a:t>www.draw.io</a:t>
+            </a:r>
+            <a:endParaRPr lang="en-GB" sz="1600" dirty="0"/>
+          </a:p>
+          <a:p>
+            <a:pPr marL="285750" indent="-285750">
+              <a:buFont typeface="Arial" panose="020B0604020202020204" pitchFamily="34" charset="0"/>
+              <a:buChar char="•"/>
+            </a:pPr>
+            <a:r>
+              <a:rPr lang="en-GB" sz="1600" dirty="0"/>
+              <a:t>Click ‘Save diagrams to Device’ </a:t>
+            </a:r>
+          </a:p>
+          <a:p>
+            <a:pPr marL="285750" indent="-285750">
+              <a:buFont typeface="Arial" panose="020B0604020202020204" pitchFamily="34" charset="0"/>
+              <a:buChar char="•"/>
+            </a:pPr>
+            <a:r>
+              <a:rPr lang="en-GB" sz="1600" dirty="0"/>
+              <a:t>Create New diagram</a:t>
+            </a:r>
+          </a:p>
+          <a:p>
+            <a:pPr marL="285750" indent="-285750">
+              <a:buFont typeface="Arial" panose="020B0604020202020204" pitchFamily="34" charset="0"/>
+              <a:buChar char="•"/>
+            </a:pPr>
+            <a:r>
+              <a:rPr lang="en-GB" sz="1600" dirty="0"/>
+              <a:t>Select ‘Flowchart’</a:t>
+            </a:r>
+          </a:p>
+          <a:p>
+            <a:pPr marL="285750" indent="-285750">
+              <a:buFont typeface="Arial" panose="020B0604020202020204" pitchFamily="34" charset="0"/>
+              <a:buChar char="•"/>
+            </a:pPr>
+            <a:r>
+              <a:rPr lang="en-GB" sz="1600" dirty="0"/>
+              <a:t>Delete the displayed flowchart</a:t>
+            </a:r>
+          </a:p>
+          <a:p>
+            <a:pPr marL="285750" indent="-285750">
+              <a:buFont typeface="Arial" panose="020B0604020202020204" pitchFamily="34" charset="0"/>
+              <a:buChar char="•"/>
+            </a:pPr>
+            <a:r>
+              <a:rPr lang="en-GB" sz="1600" dirty="0"/>
+              <a:t>Create a flowchart that asks user for login details, checks if the details are correct, grants access for correct details, denies access for incorrect details and blocks user after 3 unsuccessful attempts.</a:t>
+            </a:r>
+          </a:p>
+          <a:p>
+            <a:pPr marL="285750" indent="-285750">
+              <a:buFont typeface="Arial" panose="020B0604020202020204" pitchFamily="34" charset="0"/>
+              <a:buChar char="•"/>
             </a:pPr>
             <a:endParaRPr lang="en-GB" dirty="0"/>
           </a:p>
           <a:p>
-            <a:pPr>
-              <a:buFont typeface="Wingdings" panose="05000000000000000000" pitchFamily="2" charset="2"/>
-              <a:buChar char="v"/>
+            <a:pPr marL="285750" indent="-285750">
+              <a:buFont typeface="Arial" panose="020B0604020202020204" pitchFamily="34" charset="0"/>
+              <a:buChar char="•"/>
             </a:pPr>
-            <a:r>
-              <a:rPr lang="en-GB" dirty="0"/>
-              <a:t>Software design is the process of transforming the customer requirements into a form implementable using a programming language.</a:t>
-            </a:r>
-          </a:p>
-          <a:p>
-            <a:pPr>
-              <a:buFont typeface="Wingdings" panose="05000000000000000000" pitchFamily="2" charset="2"/>
-              <a:buChar char="v"/>
-            </a:pPr>
-            <a:r>
-              <a:rPr lang="en-GB" dirty="0"/>
-              <a:t> This includes defining the classes, methods, functions, objects and the overall structure and interaction that will be translated into codes.</a:t>
-            </a:r>
-          </a:p>
-          <a:p>
-            <a:pPr>
-              <a:buFont typeface="Wingdings" panose="05000000000000000000" pitchFamily="2" charset="2"/>
-              <a:buChar char="v"/>
-            </a:pPr>
-            <a:r>
-              <a:rPr lang="en-GB" dirty="0"/>
-              <a:t> For object-oriented software, an object modelling language such as UML is used to develop and express the software design.</a:t>
-            </a:r>
-          </a:p>
-          <a:p>
-            <a:pPr>
-              <a:buFont typeface="Wingdings" panose="05000000000000000000" pitchFamily="2" charset="2"/>
-              <a:buChar char="v"/>
-            </a:pPr>
-            <a:r>
-              <a:rPr lang="en-GB" dirty="0"/>
-              <a:t> draw.io will be used in this class for object-oriented software modelling.</a:t>
-            </a:r>
+            <a:endParaRPr lang="en-GB" dirty="0"/>
           </a:p>
         </p:txBody>
       </p:sp>
     </p:spTree>
     <p:extLst>
       <p:ext uri="{BB962C8B-B14F-4D97-AF65-F5344CB8AC3E}">
-        <p14:creationId xmlns:p14="http://schemas.microsoft.com/office/powerpoint/2010/main" val="2587548588"/>
+        <p14:creationId xmlns:p14="http://schemas.microsoft.com/office/powerpoint/2010/main" val="2460551237"/>
       </p:ext>
     </p:extLst>
   </p:cSld>
@@ -7433,6 +7446,12 @@
 </file>
 
 <file path=customXml/item1.xml><?xml version="1.0" encoding="utf-8"?>
+<p:properties xmlns:p="http://schemas.microsoft.com/office/2006/metadata/properties" xmlns:xsi="http://www.w3.org/2001/XMLSchema-instance" xmlns:pc="http://schemas.microsoft.com/office/infopath/2007/PartnerControls">
+  <documentManagement/>
+</p:properties>
+</file>
+
+<file path=customXml/item2.xml><?xml version="1.0" encoding="utf-8"?>
 <ct:contentTypeSchema xmlns:ct="http://schemas.microsoft.com/office/2006/metadata/contentType" xmlns:ma="http://schemas.microsoft.com/office/2006/metadata/properties/metaAttributes" ct:_="" ma:_="" ma:contentTypeName="Document" ma:contentTypeID="0x010100062A1965C0ED8D4B93D90EC9097FB304" ma:contentTypeVersion="13" ma:contentTypeDescription="Create a new document." ma:contentTypeScope="" ma:versionID="ad8c00255a362f38b965062bb6973433">
   <xsd:schema xmlns:xsd="http://www.w3.org/2001/XMLSchema" xmlns:xs="http://www.w3.org/2001/XMLSchema" xmlns:p="http://schemas.microsoft.com/office/2006/metadata/properties" xmlns:ns3="cab83b3b-4db3-4a13-8dd4-e60be6d87cf5" xmlns:ns4="c2e86655-d7ed-4420-bc92-1b9547829f54" targetNamespace="http://schemas.microsoft.com/office/2006/metadata/properties" ma:root="true" ma:fieldsID="d47f86c9060cacabc5fb99b2dd628c7d" ns3:_="" ns4:_="">
     <xsd:import namespace="cab83b3b-4db3-4a13-8dd4-e60be6d87cf5"/>
@@ -7655,7 +7674,7 @@
 </ct:contentTypeSchema>
 </file>
 
-<file path=customXml/item2.xml><?xml version="1.0" encoding="utf-8"?>
+<file path=customXml/item3.xml><?xml version="1.0" encoding="utf-8"?>
 <?mso-contentType ?>
 <FormTemplates xmlns="http://schemas.microsoft.com/sharepoint/v3/contenttype/forms">
   <Display>DocumentLibraryForm</Display>
@@ -7664,13 +7683,24 @@
 </FormTemplates>
 </file>
 
-<file path=customXml/item3.xml><?xml version="1.0" encoding="utf-8"?>
-<p:properties xmlns:p="http://schemas.microsoft.com/office/2006/metadata/properties" xmlns:xsi="http://www.w3.org/2001/XMLSchema-instance" xmlns:pc="http://schemas.microsoft.com/office/infopath/2007/PartnerControls">
-  <documentManagement/>
-</p:properties>
+<file path=customXml/itemProps1.xml><?xml version="1.0" encoding="utf-8"?>
+<ds:datastoreItem xmlns:ds="http://schemas.openxmlformats.org/officeDocument/2006/customXml" ds:itemID="{1B174DBE-1AD7-495B-B168-212A7EE723A6}">
+  <ds:schemaRefs>
+    <ds:schemaRef ds:uri="http://purl.org/dc/terms/"/>
+    <ds:schemaRef ds:uri="http://schemas.microsoft.com/office/2006/documentManagement/types"/>
+    <ds:schemaRef ds:uri="http://schemas.microsoft.com/office/2006/metadata/properties"/>
+    <ds:schemaRef ds:uri="http://www.w3.org/XML/1998/namespace"/>
+    <ds:schemaRef ds:uri="http://schemas.openxmlformats.org/package/2006/metadata/core-properties"/>
+    <ds:schemaRef ds:uri="http://schemas.microsoft.com/office/infopath/2007/PartnerControls"/>
+    <ds:schemaRef ds:uri="http://purl.org/dc/elements/1.1/"/>
+    <ds:schemaRef ds:uri="http://purl.org/dc/dcmitype/"/>
+    <ds:schemaRef ds:uri="c2e86655-d7ed-4420-bc92-1b9547829f54"/>
+    <ds:schemaRef ds:uri="cab83b3b-4db3-4a13-8dd4-e60be6d87cf5"/>
+  </ds:schemaRefs>
+</ds:datastoreItem>
 </file>
 
-<file path=customXml/itemProps1.xml><?xml version="1.0" encoding="utf-8"?>
+<file path=customXml/itemProps2.xml><?xml version="1.0" encoding="utf-8"?>
 <ds:datastoreItem xmlns:ds="http://schemas.openxmlformats.org/officeDocument/2006/customXml" ds:itemID="{03233C07-2685-44F7-9601-FF64EA49BA1B}">
   <ds:schemaRefs>
     <ds:schemaRef ds:uri="http://schemas.microsoft.com/office/2006/metadata/contentType"/>
@@ -7689,27 +7719,10 @@
 </ds:datastoreItem>
 </file>
 
-<file path=customXml/itemProps2.xml><?xml version="1.0" encoding="utf-8"?>
+<file path=customXml/itemProps3.xml><?xml version="1.0" encoding="utf-8"?>
 <ds:datastoreItem xmlns:ds="http://schemas.openxmlformats.org/officeDocument/2006/customXml" ds:itemID="{07A05CC1-FF68-453F-AE9C-352B80151440}">
   <ds:schemaRefs>
     <ds:schemaRef ds:uri="http://schemas.microsoft.com/sharepoint/v3/contenttype/forms"/>
   </ds:schemaRefs>
 </ds:datastoreItem>
-</file>
-
-<file path=customXml/itemProps3.xml><?xml version="1.0" encoding="utf-8"?>
-<ds:datastoreItem xmlns:ds="http://schemas.openxmlformats.org/officeDocument/2006/customXml" ds:itemID="{1B174DBE-1AD7-495B-B168-212A7EE723A6}">
-  <ds:schemaRefs>
-    <ds:schemaRef ds:uri="http://purl.org/dc/terms/"/>
-    <ds:schemaRef ds:uri="http://schemas.microsoft.com/office/2006/documentManagement/types"/>
-    <ds:schemaRef ds:uri="http://schemas.microsoft.com/office/2006/metadata/properties"/>
-    <ds:schemaRef ds:uri="http://www.w3.org/XML/1998/namespace"/>
-    <ds:schemaRef ds:uri="http://schemas.openxmlformats.org/package/2006/metadata/core-properties"/>
-    <ds:schemaRef ds:uri="http://schemas.microsoft.com/office/infopath/2007/PartnerControls"/>
-    <ds:schemaRef ds:uri="http://purl.org/dc/elements/1.1/"/>
-    <ds:schemaRef ds:uri="http://purl.org/dc/dcmitype/"/>
-    <ds:schemaRef ds:uri="c2e86655-d7ed-4420-bc92-1b9547829f54"/>
-    <ds:schemaRef ds:uri="cab83b3b-4db3-4a13-8dd4-e60be6d87cf5"/>
-  </ds:schemaRefs>
-</ds:datastoreItem>
 </file>